--- a/007#20190515/REST_API/PLSQL_CAMP_REST.pptx
+++ b/007#20190515/REST_API/PLSQL_CAMP_REST.pptx
@@ -7973,15 +7973,7 @@
           <a:p>
             <a:r>
               <a:rPr lang="pt-BR" dirty="0"/>
-              <a:t>O acesso ao </a:t>
-            </a:r>
-            <a:r>
-              <a:rPr lang="pt-BR" dirty="0" err="1"/>
-              <a:t>prococolo</a:t>
-            </a:r>
-            <a:r>
-              <a:rPr lang="pt-BR" dirty="0"/>
-              <a:t> HTTPS necessita da configuração do Oracle Wallet Manager.</a:t>
+              <a:t>O acesso ao protocolo HTTPS necessita da configuração do Oracle Wallet Manager.</a:t>
             </a:r>
           </a:p>
           <a:p>
@@ -7997,7 +7989,7 @@
             <a:pPr lvl="1"/>
             <a:r>
               <a:rPr lang="pt-BR" dirty="0"/>
-              <a:t>Início da requisição</a:t>
+              <a:t>Início da requisição;</a:t>
             </a:r>
             <a:endParaRPr lang="pt-BR" i="1" dirty="0"/>
           </a:p>
@@ -8005,14 +7997,14 @@
             <a:pPr lvl="1"/>
             <a:r>
               <a:rPr lang="pt-BR" dirty="0"/>
-              <a:t>Configuração do cabeçalho e ou corpo</a:t>
+              <a:t>Configuração do cabeçalho e ou corpo;</a:t>
             </a:r>
           </a:p>
           <a:p>
             <a:pPr lvl="1"/>
             <a:r>
               <a:rPr lang="pt-BR" dirty="0"/>
-              <a:t>Recepção da resposta</a:t>
+              <a:t>Recepção da resposta.</a:t>
             </a:r>
           </a:p>
           <a:p>
@@ -11322,6 +11314,15 @@
 </file>
 
 <file path=customXml/item2.xml><?xml version="1.0" encoding="utf-8"?>
+<?mso-contentType ?>
+<FormTemplates xmlns="http://schemas.microsoft.com/sharepoint/v3/contenttype/forms">
+  <Display>DocumentLibraryForm</Display>
+  <Edit>AssetEditForm</Edit>
+  <New>DocumentLibraryForm</New>
+</FormTemplates>
+</file>
+
+<file path=customXml/item3.xml><?xml version="1.0" encoding="utf-8"?>
 <p:properties xmlns:p="http://schemas.microsoft.com/office/2006/metadata/properties" xmlns:xsi="http://www.w3.org/2001/XMLSchema-instance" xmlns:pc="http://schemas.microsoft.com/office/infopath/2007/PartnerControls">
   <documentManagement>
     <DirectSourceMarket xmlns="4873beb7-5857-4685-be1f-d57550cc96cc" xsi:nil="true"/>
@@ -11448,15 +11449,6 @@
 </p:properties>
 </file>
 
-<file path=customXml/item3.xml><?xml version="1.0" encoding="utf-8"?>
-<?mso-contentType ?>
-<FormTemplates xmlns="http://schemas.microsoft.com/sharepoint/v3/contenttype/forms">
-  <Display>DocumentLibraryForm</Display>
-  <Edit>AssetEditForm</Edit>
-  <New>DocumentLibraryForm</New>
-</FormTemplates>
-</file>
-
 <file path=customXml/itemProps1.xml><?xml version="1.0" encoding="utf-8"?>
 <ds:datastoreItem xmlns:ds="http://schemas.openxmlformats.org/officeDocument/2006/customXml" ds:itemID="{41BC18E0-614B-4152-A3EE-8AA2B60C721E}">
   <ds:schemaRefs>
@@ -11476,6 +11468,14 @@
 </file>
 
 <file path=customXml/itemProps2.xml><?xml version="1.0" encoding="utf-8"?>
+<ds:datastoreItem xmlns:ds="http://schemas.openxmlformats.org/officeDocument/2006/customXml" ds:itemID="{0A765CE0-A8A0-42E0-82D2-3F870DB4D5F7}">
+  <ds:schemaRefs>
+    <ds:schemaRef ds:uri="http://schemas.microsoft.com/sharepoint/v3/contenttype/forms"/>
+  </ds:schemaRefs>
+</ds:datastoreItem>
+</file>
+
+<file path=customXml/itemProps3.xml><?xml version="1.0" encoding="utf-8"?>
 <ds:datastoreItem xmlns:ds="http://schemas.openxmlformats.org/officeDocument/2006/customXml" ds:itemID="{45076977-ECB7-44C2-A70D-853BB6B41242}">
   <ds:schemaRefs>
     <ds:schemaRef ds:uri="http://schemas.microsoft.com/office/infopath/2007/PartnerControls"/>
@@ -11489,12 +11489,4 @@
     <ds:schemaRef ds:uri="http://purl.org/dc/terms/"/>
   </ds:schemaRefs>
 </ds:datastoreItem>
-</file>
-
-<file path=customXml/itemProps3.xml><?xml version="1.0" encoding="utf-8"?>
-<ds:datastoreItem xmlns:ds="http://schemas.openxmlformats.org/officeDocument/2006/customXml" ds:itemID="{0A765CE0-A8A0-42E0-82D2-3F870DB4D5F7}">
-  <ds:schemaRefs>
-    <ds:schemaRef ds:uri="http://schemas.microsoft.com/sharepoint/v3/contenttype/forms"/>
-  </ds:schemaRefs>
-</ds:datastoreItem>
 </file>